--- a/Projeto-Documentacao/Desenhos/LLD.pptx
+++ b/Projeto-Documentacao/Desenhos/LLD.pptx
@@ -259,7 +259,7 @@
           <a:p>
             <a:fld id="{A652B9DA-2090-4A61-B038-3838489857AE}" type="datetimeFigureOut">
               <a:rPr lang="pt-BR" smtClean="0"/>
-              <a:t>17/04/2019</a:t>
+              <a:t>03/06/2019</a:t>
             </a:fld>
             <a:endParaRPr lang="pt-BR"/>
           </a:p>
@@ -457,7 +457,7 @@
           <a:p>
             <a:fld id="{A652B9DA-2090-4A61-B038-3838489857AE}" type="datetimeFigureOut">
               <a:rPr lang="pt-BR" smtClean="0"/>
-              <a:t>17/04/2019</a:t>
+              <a:t>03/06/2019</a:t>
             </a:fld>
             <a:endParaRPr lang="pt-BR"/>
           </a:p>
@@ -665,7 +665,7 @@
           <a:p>
             <a:fld id="{A652B9DA-2090-4A61-B038-3838489857AE}" type="datetimeFigureOut">
               <a:rPr lang="pt-BR" smtClean="0"/>
-              <a:t>17/04/2019</a:t>
+              <a:t>03/06/2019</a:t>
             </a:fld>
             <a:endParaRPr lang="pt-BR"/>
           </a:p>
@@ -863,7 +863,7 @@
           <a:p>
             <a:fld id="{A652B9DA-2090-4A61-B038-3838489857AE}" type="datetimeFigureOut">
               <a:rPr lang="pt-BR" smtClean="0"/>
-              <a:t>17/04/2019</a:t>
+              <a:t>03/06/2019</a:t>
             </a:fld>
             <a:endParaRPr lang="pt-BR"/>
           </a:p>
@@ -1138,7 +1138,7 @@
           <a:p>
             <a:fld id="{A652B9DA-2090-4A61-B038-3838489857AE}" type="datetimeFigureOut">
               <a:rPr lang="pt-BR" smtClean="0"/>
-              <a:t>17/04/2019</a:t>
+              <a:t>03/06/2019</a:t>
             </a:fld>
             <a:endParaRPr lang="pt-BR"/>
           </a:p>
@@ -1403,7 +1403,7 @@
           <a:p>
             <a:fld id="{A652B9DA-2090-4A61-B038-3838489857AE}" type="datetimeFigureOut">
               <a:rPr lang="pt-BR" smtClean="0"/>
-              <a:t>17/04/2019</a:t>
+              <a:t>03/06/2019</a:t>
             </a:fld>
             <a:endParaRPr lang="pt-BR"/>
           </a:p>
@@ -1815,7 +1815,7 @@
           <a:p>
             <a:fld id="{A652B9DA-2090-4A61-B038-3838489857AE}" type="datetimeFigureOut">
               <a:rPr lang="pt-BR" smtClean="0"/>
-              <a:t>17/04/2019</a:t>
+              <a:t>03/06/2019</a:t>
             </a:fld>
             <a:endParaRPr lang="pt-BR"/>
           </a:p>
@@ -1956,7 +1956,7 @@
           <a:p>
             <a:fld id="{A652B9DA-2090-4A61-B038-3838489857AE}" type="datetimeFigureOut">
               <a:rPr lang="pt-BR" smtClean="0"/>
-              <a:t>17/04/2019</a:t>
+              <a:t>03/06/2019</a:t>
             </a:fld>
             <a:endParaRPr lang="pt-BR"/>
           </a:p>
@@ -2069,7 +2069,7 @@
           <a:p>
             <a:fld id="{A652B9DA-2090-4A61-B038-3838489857AE}" type="datetimeFigureOut">
               <a:rPr lang="pt-BR" smtClean="0"/>
-              <a:t>17/04/2019</a:t>
+              <a:t>03/06/2019</a:t>
             </a:fld>
             <a:endParaRPr lang="pt-BR"/>
           </a:p>
@@ -2380,7 +2380,7 @@
           <a:p>
             <a:fld id="{A652B9DA-2090-4A61-B038-3838489857AE}" type="datetimeFigureOut">
               <a:rPr lang="pt-BR" smtClean="0"/>
-              <a:t>17/04/2019</a:t>
+              <a:t>03/06/2019</a:t>
             </a:fld>
             <a:endParaRPr lang="pt-BR"/>
           </a:p>
@@ -2668,7 +2668,7 @@
           <a:p>
             <a:fld id="{A652B9DA-2090-4A61-B038-3838489857AE}" type="datetimeFigureOut">
               <a:rPr lang="pt-BR" smtClean="0"/>
-              <a:t>17/04/2019</a:t>
+              <a:t>03/06/2019</a:t>
             </a:fld>
             <a:endParaRPr lang="pt-BR"/>
           </a:p>
@@ -2909,7 +2909,7 @@
           <a:p>
             <a:fld id="{A652B9DA-2090-4A61-B038-3838489857AE}" type="datetimeFigureOut">
               <a:rPr lang="pt-BR" smtClean="0"/>
-              <a:t>17/04/2019</a:t>
+              <a:t>03/06/2019</a:t>
             </a:fld>
             <a:endParaRPr lang="pt-BR"/>
           </a:p>
@@ -3864,7 +3864,7 @@
         </p:nvSpPr>
         <p:spPr>
           <a:xfrm>
-            <a:off x="4412974" y="2955235"/>
+            <a:off x="4410425" y="2955235"/>
             <a:ext cx="7624282" cy="3902765"/>
           </a:xfrm>
           <a:prstGeom prst="rect">
